--- a/Session_Hiver_2024/Systèmes d'exploitation (INF34207-MS)/TP/Présentation/tp2_systèmes_exploitation_fb_gl.pptx
+++ b/Session_Hiver_2024/Systèmes d'exploitation (INF34207-MS)/TP/Présentation/tp2_systèmes_exploitation_fb_gl.pptx
@@ -3895,7 +3895,7 @@
             <a:pPr rtl="0"/>
             <a:r>
               <a:rPr lang="fr-FR" dirty="0"/>
-              <a:t>Sous-titre</a:t>
+              <a:t>Frédérik Boutin &amp; Gabriel Létourneau</a:t>
             </a:r>
           </a:p>
         </p:txBody>
@@ -4166,7 +4166,7 @@
                 </a:highlight>
                 <a:latin typeface="Consolas" panose="020B0609020204030204" pitchFamily="49" charset="0"/>
               </a:rPr>
-              <a:t>Port : 3308</a:t>
+              <a:t>Port : 3306</a:t>
             </a:r>
           </a:p>
           <a:p>
@@ -5486,6 +5486,15 @@
 </file>
 
 <file path=customXml/item2.xml><?xml version="1.0" encoding="utf-8"?>
+<?mso-contentType ?>
+<FormTemplates xmlns="http://schemas.microsoft.com/sharepoint/v3/contenttype/forms">
+  <Display>DocumentLibraryForm</Display>
+  <Edit>AssetEditForm</Edit>
+  <New>DocumentLibraryForm</New>
+</FormTemplates>
+</file>
+
+<file path=customXml/item3.xml><?xml version="1.0" encoding="utf-8"?>
 <ct:contentTypeSchema xmlns:ct="http://schemas.microsoft.com/office/2006/metadata/contentType" xmlns:ma="http://schemas.microsoft.com/office/2006/metadata/properties/metaAttributes" ct:_="" ma:_="" ma:contentTypeName="TemplateFile" ma:contentTypeID="0x0101006EDDDB5EE6D98C44930B742096920B300400F5B6D36B3EF94B4E9A635CDF2A18F5B8" ma:contentTypeVersion="72" ma:contentTypeDescription="Create a new document." ma:contentTypeScope="" ma:versionID="a23e56308344d904b51738559c3d67c9">
   <xsd:schema xmlns:xsd="http://www.w3.org/2001/XMLSchema" xmlns:xs="http://www.w3.org/2001/XMLSchema" xmlns:p="http://schemas.microsoft.com/office/2006/metadata/properties" xmlns:ns2="4873beb7-5857-4685-be1f-d57550cc96cc" targetNamespace="http://schemas.microsoft.com/office/2006/metadata/properties" ma:root="true" ma:fieldsID="cd0908cc4600e77bf5da051303e00c8d" ns2:_="">
     <xsd:import namespace="4873beb7-5857-4685-be1f-d57550cc96cc"/>
@@ -6525,15 +6534,6 @@
 </ct:contentTypeSchema>
 </file>
 
-<file path=customXml/item3.xml><?xml version="1.0" encoding="utf-8"?>
-<?mso-contentType ?>
-<FormTemplates xmlns="http://schemas.microsoft.com/sharepoint/v3/contenttype/forms">
-  <Display>DocumentLibraryForm</Display>
-  <Edit>AssetEditForm</Edit>
-  <New>DocumentLibraryForm</New>
-</FormTemplates>
-</file>
-
 <file path=customXml/itemProps1.xml><?xml version="1.0" encoding="utf-8"?>
 <ds:datastoreItem xmlns:ds="http://schemas.openxmlformats.org/officeDocument/2006/customXml" ds:itemID="{04098515-0C12-46CF-BC7C-69B4A13CD5FA}">
   <ds:schemaRefs>
@@ -6545,6 +6545,14 @@
 </file>
 
 <file path=customXml/itemProps2.xml><?xml version="1.0" encoding="utf-8"?>
+<ds:datastoreItem xmlns:ds="http://schemas.openxmlformats.org/officeDocument/2006/customXml" ds:itemID="{746CFF6F-D9AA-4BC0-911A-0A1356771912}">
+  <ds:schemaRefs>
+    <ds:schemaRef ds:uri="http://schemas.microsoft.com/sharepoint/v3/contenttype/forms"/>
+  </ds:schemaRefs>
+</ds:datastoreItem>
+</file>
+
+<file path=customXml/itemProps3.xml><?xml version="1.0" encoding="utf-8"?>
 <ds:datastoreItem xmlns:ds="http://schemas.openxmlformats.org/officeDocument/2006/customXml" ds:itemID="{0B5C6E15-39DC-470B-9445-F754B9458020}">
   <ds:schemaRefs>
     <ds:schemaRef ds:uri="http://schemas.microsoft.com/office/2006/metadata/contentType"/>
@@ -6560,12 +6568,4 @@
     <ds:schemaRef ds:uri="http://schemas.microsoft.com/internal/obd"/>
   </ds:schemaRefs>
 </ds:datastoreItem>
-</file>
-
-<file path=customXml/itemProps3.xml><?xml version="1.0" encoding="utf-8"?>
-<ds:datastoreItem xmlns:ds="http://schemas.openxmlformats.org/officeDocument/2006/customXml" ds:itemID="{746CFF6F-D9AA-4BC0-911A-0A1356771912}">
-  <ds:schemaRefs>
-    <ds:schemaRef ds:uri="http://schemas.microsoft.com/sharepoint/v3/contenttype/forms"/>
-  </ds:schemaRefs>
-</ds:datastoreItem>
 </file>